--- a/Software/Hitcon Badge BLE explain.pptx
+++ b/Software/Hitcon Badge BLE explain.pptx
@@ -253,7 +253,7 @@
           <a:p>
             <a:fld id="{9C3C7798-FB07-4F5D-AE8D-7720DA8EDECA}" type="datetimeFigureOut">
               <a:rPr lang="zh-TW" altLang="en-US" smtClean="0"/>
-              <a:t>2018/6/19</a:t>
+              <a:t>2018/6/20</a:t>
             </a:fld>
             <a:endParaRPr lang="zh-TW" altLang="en-US"/>
           </a:p>
@@ -423,7 +423,7 @@
           <a:p>
             <a:fld id="{9C3C7798-FB07-4F5D-AE8D-7720DA8EDECA}" type="datetimeFigureOut">
               <a:rPr lang="zh-TW" altLang="en-US" smtClean="0"/>
-              <a:t>2018/6/19</a:t>
+              <a:t>2018/6/20</a:t>
             </a:fld>
             <a:endParaRPr lang="zh-TW" altLang="en-US"/>
           </a:p>
@@ -603,7 +603,7 @@
           <a:p>
             <a:fld id="{9C3C7798-FB07-4F5D-AE8D-7720DA8EDECA}" type="datetimeFigureOut">
               <a:rPr lang="zh-TW" altLang="en-US" smtClean="0"/>
-              <a:t>2018/6/19</a:t>
+              <a:t>2018/6/20</a:t>
             </a:fld>
             <a:endParaRPr lang="zh-TW" altLang="en-US"/>
           </a:p>
@@ -773,7 +773,7 @@
           <a:p>
             <a:fld id="{9C3C7798-FB07-4F5D-AE8D-7720DA8EDECA}" type="datetimeFigureOut">
               <a:rPr lang="zh-TW" altLang="en-US" smtClean="0"/>
-              <a:t>2018/6/19</a:t>
+              <a:t>2018/6/20</a:t>
             </a:fld>
             <a:endParaRPr lang="zh-TW" altLang="en-US"/>
           </a:p>
@@ -1019,7 +1019,7 @@
           <a:p>
             <a:fld id="{9C3C7798-FB07-4F5D-AE8D-7720DA8EDECA}" type="datetimeFigureOut">
               <a:rPr lang="zh-TW" altLang="en-US" smtClean="0"/>
-              <a:t>2018/6/19</a:t>
+              <a:t>2018/6/20</a:t>
             </a:fld>
             <a:endParaRPr lang="zh-TW" altLang="en-US"/>
           </a:p>
@@ -1251,7 +1251,7 @@
           <a:p>
             <a:fld id="{9C3C7798-FB07-4F5D-AE8D-7720DA8EDECA}" type="datetimeFigureOut">
               <a:rPr lang="zh-TW" altLang="en-US" smtClean="0"/>
-              <a:t>2018/6/19</a:t>
+              <a:t>2018/6/20</a:t>
             </a:fld>
             <a:endParaRPr lang="zh-TW" altLang="en-US"/>
           </a:p>
@@ -1618,7 +1618,7 @@
           <a:p>
             <a:fld id="{9C3C7798-FB07-4F5D-AE8D-7720DA8EDECA}" type="datetimeFigureOut">
               <a:rPr lang="zh-TW" altLang="en-US" smtClean="0"/>
-              <a:t>2018/6/19</a:t>
+              <a:t>2018/6/20</a:t>
             </a:fld>
             <a:endParaRPr lang="zh-TW" altLang="en-US"/>
           </a:p>
@@ -1736,7 +1736,7 @@
           <a:p>
             <a:fld id="{9C3C7798-FB07-4F5D-AE8D-7720DA8EDECA}" type="datetimeFigureOut">
               <a:rPr lang="zh-TW" altLang="en-US" smtClean="0"/>
-              <a:t>2018/6/19</a:t>
+              <a:t>2018/6/20</a:t>
             </a:fld>
             <a:endParaRPr lang="zh-TW" altLang="en-US"/>
           </a:p>
@@ -1831,7 +1831,7 @@
           <a:p>
             <a:fld id="{9C3C7798-FB07-4F5D-AE8D-7720DA8EDECA}" type="datetimeFigureOut">
               <a:rPr lang="zh-TW" altLang="en-US" smtClean="0"/>
-              <a:t>2018/6/19</a:t>
+              <a:t>2018/6/20</a:t>
             </a:fld>
             <a:endParaRPr lang="zh-TW" altLang="en-US"/>
           </a:p>
@@ -2108,7 +2108,7 @@
           <a:p>
             <a:fld id="{9C3C7798-FB07-4F5D-AE8D-7720DA8EDECA}" type="datetimeFigureOut">
               <a:rPr lang="zh-TW" altLang="en-US" smtClean="0"/>
-              <a:t>2018/6/19</a:t>
+              <a:t>2018/6/20</a:t>
             </a:fld>
             <a:endParaRPr lang="zh-TW" altLang="en-US"/>
           </a:p>
@@ -2361,7 +2361,7 @@
           <a:p>
             <a:fld id="{9C3C7798-FB07-4F5D-AE8D-7720DA8EDECA}" type="datetimeFigureOut">
               <a:rPr lang="zh-TW" altLang="en-US" smtClean="0"/>
-              <a:t>2018/6/19</a:t>
+              <a:t>2018/6/20</a:t>
             </a:fld>
             <a:endParaRPr lang="zh-TW" altLang="en-US"/>
           </a:p>
@@ -2574,7 +2574,7 @@
           <a:p>
             <a:fld id="{9C3C7798-FB07-4F5D-AE8D-7720DA8EDECA}" type="datetimeFigureOut">
               <a:rPr lang="zh-TW" altLang="en-US" smtClean="0"/>
-              <a:t>2018/6/19</a:t>
+              <a:t>2018/6/20</a:t>
             </a:fld>
             <a:endParaRPr lang="zh-TW" altLang="en-US"/>
           </a:p>
@@ -3000,11 +3000,7 @@
             </a:r>
             <a:r>
               <a:rPr lang="en-US" altLang="zh-TW" dirty="0" smtClean="0"/>
-              <a:t> Badge BLE explain </a:t>
-            </a:r>
-            <a:r>
-              <a:rPr lang="en-US" altLang="zh-TW" dirty="0" smtClean="0"/>
-              <a:t>V1.4</a:t>
+              <a:t> Badge BLE explain V1.4</a:t>
             </a:r>
             <a:endParaRPr lang="zh-TW" altLang="en-US" dirty="0"/>
           </a:p>
@@ -5636,7 +5632,6 @@
               <a:rPr lang="en-US" altLang="zh-TW" dirty="0" smtClean="0"/>
               <a:t>Raw Data</a:t>
             </a:r>
-            <a:endParaRPr lang="en-US" altLang="zh-TW" dirty="0" smtClean="0"/>
           </a:p>
         </p:txBody>
       </p:sp>
@@ -5746,7 +5741,6 @@
               <a:rPr lang="en-US" altLang="zh-TW" dirty="0" smtClean="0"/>
               <a:t>16Byte Random IV</a:t>
             </a:r>
-            <a:endParaRPr lang="en-US" altLang="zh-TW" dirty="0" smtClean="0"/>
           </a:p>
         </p:txBody>
       </p:sp>
@@ -5832,7 +5826,6 @@
               <a:rPr lang="en-US" altLang="zh-TW" dirty="0" smtClean="0"/>
               <a:t> Data</a:t>
             </a:r>
-            <a:endParaRPr lang="en-US" altLang="zh-TW" dirty="0" smtClean="0"/>
           </a:p>
         </p:txBody>
       </p:sp>
@@ -5878,7 +5871,6 @@
               <a:rPr lang="en-US" altLang="zh-TW" dirty="0" smtClean="0"/>
               <a:t> Data</a:t>
             </a:r>
-            <a:endParaRPr lang="en-US" altLang="zh-TW" dirty="0" smtClean="0"/>
           </a:p>
         </p:txBody>
       </p:sp>
@@ -5920,7 +5912,6 @@
               <a:rPr lang="en-US" altLang="zh-TW" dirty="0" smtClean="0"/>
               <a:t>16Byte Random IV</a:t>
             </a:r>
-            <a:endParaRPr lang="en-US" altLang="zh-TW" dirty="0" smtClean="0"/>
           </a:p>
         </p:txBody>
       </p:sp>
@@ -7938,8 +7929,13 @@
             <a:pPr algn="ctr"/>
             <a:r>
               <a:rPr lang="en-US" altLang="zh-TW" dirty="0" smtClean="0"/>
-              <a:t>Badge notify by </a:t>
-            </a:r>
+              <a:t>Badge notify </a:t>
+            </a:r>
+            <a:r>
+              <a:rPr lang="en-US" altLang="zh-TW" dirty="0" smtClean="0"/>
+              <a:t> </a:t>
+            </a:r>
+            <a:endParaRPr lang="en-US" altLang="zh-TW" dirty="0" smtClean="0"/>
           </a:p>
           <a:p>
             <a:pPr algn="ctr"/>
